--- a/АВЛ-деревья оценка высоты авл-дерева/Презентация Миронов БИВТ-23-8.pptx
+++ b/АВЛ-деревья оценка высоты авл-дерева/Презентация Миронов БИВТ-23-8.pptx
@@ -217,7 +217,7 @@
           <a:p>
             <a:fld id="{14374A59-2AD7-4DA3-A96D-FFEDF14EB6ED}" type="datetimeFigureOut">
               <a:rPr lang="ru-RU" smtClean="0"/>
-              <a:t>29.11.2024</a:t>
+              <a:t>06.12.2024</a:t>
             </a:fld>
             <a:endParaRPr lang="ru-RU"/>
           </a:p>
@@ -699,7 +699,7 @@
           <a:p>
             <a:fld id="{59B4EDF8-99C2-4B40-889E-2E99E76DA18B}" type="datetimeFigureOut">
               <a:rPr lang="ru-RU" smtClean="0"/>
-              <a:t>29.11.2024</a:t>
+              <a:t>06.12.2024</a:t>
             </a:fld>
             <a:endParaRPr lang="ru-RU"/>
           </a:p>
@@ -869,7 +869,7 @@
           <a:p>
             <a:fld id="{59B4EDF8-99C2-4B40-889E-2E99E76DA18B}" type="datetimeFigureOut">
               <a:rPr lang="ru-RU" smtClean="0"/>
-              <a:t>29.11.2024</a:t>
+              <a:t>06.12.2024</a:t>
             </a:fld>
             <a:endParaRPr lang="ru-RU"/>
           </a:p>
@@ -1049,7 +1049,7 @@
           <a:p>
             <a:fld id="{59B4EDF8-99C2-4B40-889E-2E99E76DA18B}" type="datetimeFigureOut">
               <a:rPr lang="ru-RU" smtClean="0"/>
-              <a:t>29.11.2024</a:t>
+              <a:t>06.12.2024</a:t>
             </a:fld>
             <a:endParaRPr lang="ru-RU"/>
           </a:p>
@@ -1219,7 +1219,7 @@
           <a:p>
             <a:fld id="{59B4EDF8-99C2-4B40-889E-2E99E76DA18B}" type="datetimeFigureOut">
               <a:rPr lang="ru-RU" smtClean="0"/>
-              <a:t>29.11.2024</a:t>
+              <a:t>06.12.2024</a:t>
             </a:fld>
             <a:endParaRPr lang="ru-RU"/>
           </a:p>
@@ -1465,7 +1465,7 @@
           <a:p>
             <a:fld id="{59B4EDF8-99C2-4B40-889E-2E99E76DA18B}" type="datetimeFigureOut">
               <a:rPr lang="ru-RU" smtClean="0"/>
-              <a:t>29.11.2024</a:t>
+              <a:t>06.12.2024</a:t>
             </a:fld>
             <a:endParaRPr lang="ru-RU"/>
           </a:p>
@@ -1697,7 +1697,7 @@
           <a:p>
             <a:fld id="{59B4EDF8-99C2-4B40-889E-2E99E76DA18B}" type="datetimeFigureOut">
               <a:rPr lang="ru-RU" smtClean="0"/>
-              <a:t>29.11.2024</a:t>
+              <a:t>06.12.2024</a:t>
             </a:fld>
             <a:endParaRPr lang="ru-RU"/>
           </a:p>
@@ -2064,7 +2064,7 @@
           <a:p>
             <a:fld id="{59B4EDF8-99C2-4B40-889E-2E99E76DA18B}" type="datetimeFigureOut">
               <a:rPr lang="ru-RU" smtClean="0"/>
-              <a:t>29.11.2024</a:t>
+              <a:t>06.12.2024</a:t>
             </a:fld>
             <a:endParaRPr lang="ru-RU"/>
           </a:p>
@@ -2182,7 +2182,7 @@
           <a:p>
             <a:fld id="{59B4EDF8-99C2-4B40-889E-2E99E76DA18B}" type="datetimeFigureOut">
               <a:rPr lang="ru-RU" smtClean="0"/>
-              <a:t>29.11.2024</a:t>
+              <a:t>06.12.2024</a:t>
             </a:fld>
             <a:endParaRPr lang="ru-RU"/>
           </a:p>
@@ -2277,7 +2277,7 @@
           <a:p>
             <a:fld id="{59B4EDF8-99C2-4B40-889E-2E99E76DA18B}" type="datetimeFigureOut">
               <a:rPr lang="ru-RU" smtClean="0"/>
-              <a:t>29.11.2024</a:t>
+              <a:t>06.12.2024</a:t>
             </a:fld>
             <a:endParaRPr lang="ru-RU"/>
           </a:p>
@@ -2554,7 +2554,7 @@
           <a:p>
             <a:fld id="{59B4EDF8-99C2-4B40-889E-2E99E76DA18B}" type="datetimeFigureOut">
               <a:rPr lang="ru-RU" smtClean="0"/>
-              <a:t>29.11.2024</a:t>
+              <a:t>06.12.2024</a:t>
             </a:fld>
             <a:endParaRPr lang="ru-RU"/>
           </a:p>
@@ -2811,7 +2811,7 @@
           <a:p>
             <a:fld id="{59B4EDF8-99C2-4B40-889E-2E99E76DA18B}" type="datetimeFigureOut">
               <a:rPr lang="ru-RU" smtClean="0"/>
-              <a:t>29.11.2024</a:t>
+              <a:t>06.12.2024</a:t>
             </a:fld>
             <a:endParaRPr lang="ru-RU"/>
           </a:p>
@@ -3024,7 +3024,7 @@
           <a:p>
             <a:fld id="{59B4EDF8-99C2-4B40-889E-2E99E76DA18B}" type="datetimeFigureOut">
               <a:rPr lang="ru-RU" smtClean="0"/>
-              <a:t>29.11.2024</a:t>
+              <a:t>06.12.2024</a:t>
             </a:fld>
             <a:endParaRPr lang="ru-RU"/>
           </a:p>
@@ -11210,7 +11210,7 @@
         </p:nvSpPr>
         <p:spPr>
           <a:xfrm>
-            <a:off x="9315450" y="1508342"/>
+            <a:off x="9324404" y="1641692"/>
             <a:ext cx="685800" cy="723900"/>
           </a:xfrm>
           <a:prstGeom prst="ellipse">
@@ -11259,7 +11259,7 @@
         </p:nvSpPr>
         <p:spPr>
           <a:xfrm>
-            <a:off x="8629650" y="2398651"/>
+            <a:off x="8638604" y="2532001"/>
             <a:ext cx="685800" cy="723900"/>
           </a:xfrm>
           <a:prstGeom prst="ellipse">
@@ -11308,7 +11308,7 @@
         </p:nvSpPr>
         <p:spPr>
           <a:xfrm>
-            <a:off x="8079563" y="3509298"/>
+            <a:off x="8088517" y="3642648"/>
             <a:ext cx="685800" cy="723900"/>
           </a:xfrm>
           <a:prstGeom prst="ellipse">
@@ -11357,7 +11357,7 @@
         </p:nvSpPr>
         <p:spPr>
           <a:xfrm>
-            <a:off x="9330780" y="3535200"/>
+            <a:off x="9339734" y="3668550"/>
             <a:ext cx="685800" cy="723900"/>
           </a:xfrm>
           <a:prstGeom prst="ellipse">
@@ -11406,7 +11406,7 @@
         </p:nvSpPr>
         <p:spPr>
           <a:xfrm>
-            <a:off x="10430850" y="2425107"/>
+            <a:off x="10439804" y="2558457"/>
             <a:ext cx="685800" cy="723900"/>
           </a:xfrm>
           <a:prstGeom prst="ellipse">
@@ -11455,7 +11455,7 @@
         </p:nvSpPr>
         <p:spPr>
           <a:xfrm>
-            <a:off x="11058178" y="3464327"/>
+            <a:off x="11067132" y="3597677"/>
             <a:ext cx="685800" cy="723900"/>
           </a:xfrm>
           <a:prstGeom prst="ellipse">
@@ -11511,7 +11511,7 @@
         </p:nvCxnSpPr>
         <p:spPr>
           <a:xfrm flipH="1">
-            <a:off x="8972550" y="2126229"/>
+            <a:off x="8981504" y="2259579"/>
             <a:ext cx="443333" cy="272422"/>
           </a:xfrm>
           <a:prstGeom prst="straightConnector1">
@@ -11554,7 +11554,7 @@
         </p:nvCxnSpPr>
         <p:spPr>
           <a:xfrm>
-            <a:off x="9900817" y="2126229"/>
+            <a:off x="9909771" y="2259579"/>
             <a:ext cx="872933" cy="298878"/>
           </a:xfrm>
           <a:prstGeom prst="straightConnector1">
@@ -11597,7 +11597,7 @@
         </p:nvCxnSpPr>
         <p:spPr>
           <a:xfrm>
-            <a:off x="9215017" y="3016538"/>
+            <a:off x="9223971" y="3149888"/>
             <a:ext cx="458663" cy="518662"/>
           </a:xfrm>
           <a:prstGeom prst="straightConnector1">
@@ -11640,7 +11640,7 @@
         </p:nvCxnSpPr>
         <p:spPr>
           <a:xfrm flipH="1">
-            <a:off x="8422463" y="3016538"/>
+            <a:off x="8431417" y="3149888"/>
             <a:ext cx="307620" cy="492760"/>
           </a:xfrm>
           <a:prstGeom prst="straightConnector1">
@@ -11683,7 +11683,7 @@
         </p:nvCxnSpPr>
         <p:spPr>
           <a:xfrm>
-            <a:off x="11016217" y="3042994"/>
+            <a:off x="11025171" y="3176344"/>
             <a:ext cx="384861" cy="421333"/>
           </a:xfrm>
           <a:prstGeom prst="straightConnector1">
@@ -11722,7 +11722,7 @@
         </p:nvSpPr>
         <p:spPr>
           <a:xfrm>
-            <a:off x="7863892" y="3371420"/>
+            <a:off x="7872846" y="3504770"/>
             <a:ext cx="301686" cy="369332"/>
           </a:xfrm>
           <a:prstGeom prst="rect">
@@ -11757,7 +11757,7 @@
         </p:nvSpPr>
         <p:spPr>
           <a:xfrm>
-            <a:off x="9164607" y="3490549"/>
+            <a:off x="9173561" y="3623899"/>
             <a:ext cx="301686" cy="369332"/>
           </a:xfrm>
           <a:prstGeom prst="rect">
@@ -11792,7 +11792,7 @@
         </p:nvSpPr>
         <p:spPr>
           <a:xfrm>
-            <a:off x="10865374" y="3440448"/>
+            <a:off x="10874328" y="3573798"/>
             <a:ext cx="301686" cy="369332"/>
           </a:xfrm>
           <a:prstGeom prst="rect">
@@ -11827,7 +11827,7 @@
         </p:nvSpPr>
         <p:spPr>
           <a:xfrm>
-            <a:off x="8385241" y="2240441"/>
+            <a:off x="8394195" y="2373791"/>
             <a:ext cx="301686" cy="369332"/>
           </a:xfrm>
           <a:prstGeom prst="rect">
@@ -11862,7 +11862,7 @@
         </p:nvSpPr>
         <p:spPr>
           <a:xfrm>
-            <a:off x="11050593" y="2213053"/>
+            <a:off x="11059547" y="2346403"/>
             <a:ext cx="301686" cy="369332"/>
           </a:xfrm>
           <a:prstGeom prst="rect">
@@ -18659,7 +18659,12 @@
             <p:ph type="title"/>
           </p:nvPr>
         </p:nvSpPr>
-        <p:spPr/>
+        <p:spPr>
+          <a:xfrm>
+            <a:off x="390525" y="-188381"/>
+            <a:ext cx="10515600" cy="1325563"/>
+          </a:xfrm>
+        </p:spPr>
         <p:txBody>
           <a:bodyPr/>
           <a:lstStyle/>
@@ -18894,7 +18899,7 @@
         </p:nvSpPr>
         <p:spPr>
           <a:xfrm>
-            <a:off x="9578864" y="4754373"/>
+            <a:off x="7808721" y="4988371"/>
             <a:ext cx="666750" cy="842962"/>
           </a:xfrm>
           <a:prstGeom prst="triangle">
@@ -19270,7 +19275,7 @@
         <p:spPr>
           <a:xfrm>
             <a:off x="7651915" y="1900614"/>
-            <a:ext cx="2260324" cy="2853759"/>
+            <a:ext cx="490181" cy="3087757"/>
           </a:xfrm>
           <a:prstGeom prst="straightConnector1">
             <a:avLst/>
@@ -27214,7 +27219,7 @@
         </p:nvSpPr>
         <p:spPr>
           <a:xfrm>
-            <a:off x="625364" y="347364"/>
+            <a:off x="103870" y="213198"/>
             <a:ext cx="10515600" cy="1325563"/>
           </a:xfrm>
         </p:spPr>
